--- a/presentation/Movie Data Analysis.pptx
+++ b/presentation/Movie Data Analysis.pptx
@@ -122,6 +122,14 @@
       </a:defRPr>
     </a:lvl9pPr>
   </p:defaultTextStyle>
+  <p:extLst>
+    <p:ext uri="{EFAFB233-063F-42B5-8137-9DF3F51BA10A}">
+      <p15:sldGuideLst xmlns:p15="http://schemas.microsoft.com/office/powerpoint/2012/main"/>
+    </p:ext>
+    <p:ext uri="{2D200454-40CA-4A62-9FC3-DE9A4176ACB9}">
+      <p15:notesGuideLst xmlns:p15="http://schemas.microsoft.com/office/powerpoint/2012/main"/>
+    </p:ext>
+  </p:extLst>
 </p:presentation>
 </file>
 
@@ -6778,7 +6786,7 @@
                 <a:latin typeface="Apple Braille" pitchFamily="2" charset="0"/>
                 <a:cs typeface="Al Nile" pitchFamily="2" charset="-78"/>
               </a:rPr>
-              <a:t>’ since people start to use Facebook not so long time ago. </a:t>
+              <a:t>’ since people start to use Facebook not so long time ago*. </a:t>
             </a:r>
             <a:endParaRPr lang="ru-RU" sz="1600" dirty="0">
               <a:cs typeface="Al Nile" pitchFamily="2" charset="-78"/>
@@ -6823,7 +6831,14 @@
                 <a:latin typeface="Apple Braille" pitchFamily="2" charset="0"/>
                 <a:cs typeface="Al Nile" pitchFamily="2" charset="-78"/>
               </a:rPr>
-              <a:t>Note 4. We can reasonably delete very old movies without any loss since they don’t provide much information for the future implementation (due to low number and protentional old style)</a:t>
+              <a:t>Note 4. We can reasonably delete very old movies without any loss since they don’t provide much information for the future implementation (due to low number and protentional </a:t>
+            </a:r>
+            <a:r>
+              <a:rPr lang="en-US" sz="1600">
+                <a:latin typeface="Apple Braille" pitchFamily="2" charset="0"/>
+                <a:cs typeface="Al Nile" pitchFamily="2" charset="-78"/>
+              </a:rPr>
+              <a:t>old style)</a:t>
             </a:r>
             <a:endParaRPr lang="ru-RU" sz="1600" dirty="0">
               <a:cs typeface="Al Nile" pitchFamily="2" charset="-78"/>
@@ -6902,6 +6917,79 @@
               <a:t>3</a:t>
             </a:fld>
             <a:endParaRPr lang="ru-RU"/>
+          </a:p>
+        </p:txBody>
+      </p:sp>
+      <p:sp>
+        <p:nvSpPr>
+          <p:cNvPr id="2" name="Rectangle 1">
+            <a:extLst>
+              <a:ext uri="{FF2B5EF4-FFF2-40B4-BE49-F238E27FC236}">
+                <a16:creationId xmlns:a16="http://schemas.microsoft.com/office/drawing/2014/main" id="{EA77F18A-B3C6-C24F-BF6A-B914FEB301A6}"/>
+              </a:ext>
+            </a:extLst>
+          </p:cNvPr>
+          <p:cNvSpPr/>
+          <p:nvPr/>
+        </p:nvSpPr>
+        <p:spPr>
+          <a:xfrm>
+            <a:off x="838200" y="6261913"/>
+            <a:ext cx="1843262" cy="276999"/>
+          </a:xfrm>
+          <a:prstGeom prst="rect">
+            <a:avLst/>
+          </a:prstGeom>
+        </p:spPr>
+        <p:txBody>
+          <a:bodyPr wrap="none">
+            <a:spAutoFit/>
+          </a:bodyPr>
+          <a:lstStyle/>
+          <a:p>
+            <a:r>
+              <a:rPr lang="en-US" sz="1200" dirty="0">
+                <a:hlinkClick r:id="rId4"/>
+              </a:rPr>
+              <a:t>https://www.statista.com/</a:t>
+            </a:r>
+            <a:endParaRPr lang="ru-RU" sz="1200" dirty="0"/>
+          </a:p>
+        </p:txBody>
+      </p:sp>
+      <p:sp>
+        <p:nvSpPr>
+          <p:cNvPr id="3" name="TextBox 2">
+            <a:extLst>
+              <a:ext uri="{FF2B5EF4-FFF2-40B4-BE49-F238E27FC236}">
+                <a16:creationId xmlns:a16="http://schemas.microsoft.com/office/drawing/2014/main" id="{19F58E93-CD1B-604B-9BA6-10D02BC5CE51}"/>
+              </a:ext>
+            </a:extLst>
+          </p:cNvPr>
+          <p:cNvSpPr txBox="1"/>
+          <p:nvPr/>
+        </p:nvSpPr>
+        <p:spPr>
+          <a:xfrm>
+            <a:off x="628537" y="6169580"/>
+            <a:ext cx="300082" cy="369332"/>
+          </a:xfrm>
+          <a:prstGeom prst="rect">
+            <a:avLst/>
+          </a:prstGeom>
+          <a:noFill/>
+        </p:spPr>
+        <p:txBody>
+          <a:bodyPr wrap="none" rtlCol="0">
+            <a:spAutoFit/>
+          </a:bodyPr>
+          <a:lstStyle/>
+          <a:p>
+            <a:r>
+              <a:rPr lang="en-US" dirty="0"/>
+              <a:t>*</a:t>
+            </a:r>
+            <a:endParaRPr lang="ru-RU" dirty="0"/>
           </a:p>
         </p:txBody>
       </p:sp>
@@ -7948,16 +8036,10 @@
               <a:rPr lang="en-US" sz="1200" dirty="0">
                 <a:hlinkClick r:id="rId4"/>
               </a:rPr>
-              <a:t>https://www.statista.com</a:t>
-            </a:r>
-            <a:r>
-              <a:rPr lang="en-US" sz="1200">
-                <a:hlinkClick r:id="rId4"/>
-              </a:rPr>
-              <a:t>/</a:t>
-            </a:r>
-            <a:r>
-              <a:rPr lang="en-US" sz="1200">
+              <a:t>https://www.statista.com/</a:t>
+            </a:r>
+            <a:r>
+              <a:rPr lang="en-US" sz="1200" dirty="0">
                 <a:latin typeface="Apple Braille" pitchFamily="2" charset="0"/>
                 <a:cs typeface="Blackadder ITC" panose="020F0502020204030204" pitchFamily="34" charset="0"/>
               </a:rPr>
